--- a/Projet_Dev.pptx
+++ b/Projet_Dev.pptx
@@ -10,10 +10,11 @@
     <p:sldId id="258" r:id="rId4"/>
     <p:sldId id="271" r:id="rId5"/>
     <p:sldId id="266" r:id="rId6"/>
-    <p:sldId id="263" r:id="rId7"/>
-    <p:sldId id="268" r:id="rId8"/>
-    <p:sldId id="273" r:id="rId9"/>
-    <p:sldId id="269" r:id="rId10"/>
+    <p:sldId id="274" r:id="rId7"/>
+    <p:sldId id="263" r:id="rId8"/>
+    <p:sldId id="268" r:id="rId9"/>
+    <p:sldId id="273" r:id="rId10"/>
+    <p:sldId id="269" r:id="rId11"/>
   </p:sldIdLst>
   <p:sldSz cx="12192000" cy="6858000"/>
   <p:notesSz cx="6858000" cy="9144000"/>
@@ -267,7 +268,7 @@
           <a:p>
             <a:fld id="{1DDB8E7B-1B90-4772-AAD5-4DD2260C9D59}" type="datetimeFigureOut">
               <a:rPr lang="fr-FR" smtClean="0"/>
-              <a:t>29/05/2024</a:t>
+              <a:t>30/05/2024</a:t>
             </a:fld>
             <a:endParaRPr lang="fr-FR"/>
           </a:p>
@@ -465,7 +466,7 @@
           <a:p>
             <a:fld id="{1DDB8E7B-1B90-4772-AAD5-4DD2260C9D59}" type="datetimeFigureOut">
               <a:rPr lang="fr-FR" smtClean="0"/>
-              <a:t>29/05/2024</a:t>
+              <a:t>30/05/2024</a:t>
             </a:fld>
             <a:endParaRPr lang="fr-FR"/>
           </a:p>
@@ -673,7 +674,7 @@
           <a:p>
             <a:fld id="{1DDB8E7B-1B90-4772-AAD5-4DD2260C9D59}" type="datetimeFigureOut">
               <a:rPr lang="fr-FR" smtClean="0"/>
-              <a:t>29/05/2024</a:t>
+              <a:t>30/05/2024</a:t>
             </a:fld>
             <a:endParaRPr lang="fr-FR"/>
           </a:p>
@@ -871,7 +872,7 @@
           <a:p>
             <a:fld id="{1DDB8E7B-1B90-4772-AAD5-4DD2260C9D59}" type="datetimeFigureOut">
               <a:rPr lang="fr-FR" smtClean="0"/>
-              <a:t>29/05/2024</a:t>
+              <a:t>30/05/2024</a:t>
             </a:fld>
             <a:endParaRPr lang="fr-FR"/>
           </a:p>
@@ -1146,7 +1147,7 @@
           <a:p>
             <a:fld id="{1DDB8E7B-1B90-4772-AAD5-4DD2260C9D59}" type="datetimeFigureOut">
               <a:rPr lang="fr-FR" smtClean="0"/>
-              <a:t>29/05/2024</a:t>
+              <a:t>30/05/2024</a:t>
             </a:fld>
             <a:endParaRPr lang="fr-FR"/>
           </a:p>
@@ -1411,7 +1412,7 @@
           <a:p>
             <a:fld id="{1DDB8E7B-1B90-4772-AAD5-4DD2260C9D59}" type="datetimeFigureOut">
               <a:rPr lang="fr-FR" smtClean="0"/>
-              <a:t>29/05/2024</a:t>
+              <a:t>30/05/2024</a:t>
             </a:fld>
             <a:endParaRPr lang="fr-FR"/>
           </a:p>
@@ -1823,7 +1824,7 @@
           <a:p>
             <a:fld id="{1DDB8E7B-1B90-4772-AAD5-4DD2260C9D59}" type="datetimeFigureOut">
               <a:rPr lang="fr-FR" smtClean="0"/>
-              <a:t>29/05/2024</a:t>
+              <a:t>30/05/2024</a:t>
             </a:fld>
             <a:endParaRPr lang="fr-FR"/>
           </a:p>
@@ -1964,7 +1965,7 @@
           <a:p>
             <a:fld id="{1DDB8E7B-1B90-4772-AAD5-4DD2260C9D59}" type="datetimeFigureOut">
               <a:rPr lang="fr-FR" smtClean="0"/>
-              <a:t>29/05/2024</a:t>
+              <a:t>30/05/2024</a:t>
             </a:fld>
             <a:endParaRPr lang="fr-FR"/>
           </a:p>
@@ -2077,7 +2078,7 @@
           <a:p>
             <a:fld id="{1DDB8E7B-1B90-4772-AAD5-4DD2260C9D59}" type="datetimeFigureOut">
               <a:rPr lang="fr-FR" smtClean="0"/>
-              <a:t>29/05/2024</a:t>
+              <a:t>30/05/2024</a:t>
             </a:fld>
             <a:endParaRPr lang="fr-FR"/>
           </a:p>
@@ -2388,7 +2389,7 @@
           <a:p>
             <a:fld id="{1DDB8E7B-1B90-4772-AAD5-4DD2260C9D59}" type="datetimeFigureOut">
               <a:rPr lang="fr-FR" smtClean="0"/>
-              <a:t>29/05/2024</a:t>
+              <a:t>30/05/2024</a:t>
             </a:fld>
             <a:endParaRPr lang="fr-FR"/>
           </a:p>
@@ -2676,7 +2677,7 @@
           <a:p>
             <a:fld id="{1DDB8E7B-1B90-4772-AAD5-4DD2260C9D59}" type="datetimeFigureOut">
               <a:rPr lang="fr-FR" smtClean="0"/>
-              <a:t>29/05/2024</a:t>
+              <a:t>30/05/2024</a:t>
             </a:fld>
             <a:endParaRPr lang="fr-FR"/>
           </a:p>
@@ -2917,7 +2918,7 @@
           <a:p>
             <a:fld id="{1DDB8E7B-1B90-4772-AAD5-4DD2260C9D59}" type="datetimeFigureOut">
               <a:rPr lang="fr-FR" smtClean="0"/>
-              <a:t>29/05/2024</a:t>
+              <a:t>30/05/2024</a:t>
             </a:fld>
             <a:endParaRPr lang="fr-FR"/>
           </a:p>
@@ -3872,6 +3873,197 @@
 </p:sld>
 </file>
 
+<file path=ppt/slides/slide10.xml><?xml version="1.0" encoding="utf-8"?>
+<p:sld xmlns:a="http://schemas.openxmlformats.org/drawingml/2006/main" xmlns:r="http://schemas.openxmlformats.org/officeDocument/2006/relationships" xmlns:p="http://schemas.openxmlformats.org/presentationml/2006/main">
+  <p:cSld>
+    <p:bg>
+      <p:bgPr>
+        <a:solidFill>
+          <a:schemeClr val="tx1">
+            <a:lumMod val="85000"/>
+            <a:lumOff val="15000"/>
+          </a:schemeClr>
+        </a:solidFill>
+        <a:effectLst/>
+      </p:bgPr>
+    </p:bg>
+    <p:spTree>
+      <p:nvGrpSpPr>
+        <p:cNvPr id="1" name=""/>
+        <p:cNvGrpSpPr/>
+        <p:nvPr/>
+      </p:nvGrpSpPr>
+      <p:grpSpPr>
+        <a:xfrm>
+          <a:off x="0" y="0"/>
+          <a:ext cx="0" cy="0"/>
+          <a:chOff x="0" y="0"/>
+          <a:chExt cx="0" cy="0"/>
+        </a:xfrm>
+      </p:grpSpPr>
+      <p:sp>
+        <p:nvSpPr>
+          <p:cNvPr id="4" name="Titre 1">
+            <a:extLst>
+              <a:ext uri="{FF2B5EF4-FFF2-40B4-BE49-F238E27FC236}">
+                <a16:creationId xmlns:a16="http://schemas.microsoft.com/office/drawing/2014/main" id="{B99C0767-7AF3-C87B-11C1-18C33C9EE2C0}"/>
+              </a:ext>
+            </a:extLst>
+          </p:cNvPr>
+          <p:cNvSpPr txBox="1">
+            <a:spLocks/>
+          </p:cNvSpPr>
+          <p:nvPr/>
+        </p:nvSpPr>
+        <p:spPr>
+          <a:xfrm>
+            <a:off x="1334873" y="2235200"/>
+            <a:ext cx="9522253" cy="2387600"/>
+          </a:xfrm>
+          <a:prstGeom prst="rect">
+            <a:avLst/>
+          </a:prstGeom>
+        </p:spPr>
+        <p:txBody>
+          <a:bodyPr vert="horz" lIns="91440" tIns="45720" rIns="91440" bIns="45720" rtlCol="0" anchor="ctr">
+            <a:normAutofit/>
+          </a:bodyPr>
+          <a:lstStyle>
+            <a:lvl1pPr algn="l" defTabSz="914400" rtl="0" eaLnBrk="1" latinLnBrk="0" hangingPunct="1">
+              <a:lnSpc>
+                <a:spcPct val="90000"/>
+              </a:lnSpc>
+              <a:spcBef>
+                <a:spcPct val="0"/>
+              </a:spcBef>
+              <a:buNone/>
+              <a:defRPr sz="4400" kern="1200">
+                <a:solidFill>
+                  <a:schemeClr val="tx1"/>
+                </a:solidFill>
+                <a:latin typeface="+mj-lt"/>
+                <a:ea typeface="+mj-ea"/>
+                <a:cs typeface="+mj-cs"/>
+              </a:defRPr>
+            </a:lvl1pPr>
+          </a:lstStyle>
+          <a:p>
+            <a:r>
+              <a:rPr lang="fr-FR" sz="6600" dirty="0">
+                <a:solidFill>
+                  <a:schemeClr val="bg1"/>
+                </a:solidFill>
+              </a:rPr>
+              <a:t>Merci de nous avoir écouté</a:t>
+            </a:r>
+          </a:p>
+        </p:txBody>
+      </p:sp>
+    </p:spTree>
+    <p:extLst>
+      <p:ext uri="{BB962C8B-B14F-4D97-AF65-F5344CB8AC3E}">
+        <p14:creationId xmlns:p14="http://schemas.microsoft.com/office/powerpoint/2010/main" val="3711590473"/>
+      </p:ext>
+    </p:extLst>
+  </p:cSld>
+  <p:clrMapOvr>
+    <a:masterClrMapping/>
+  </p:clrMapOvr>
+  <p:timing>
+    <p:tnLst>
+      <p:par>
+        <p:cTn id="1" dur="indefinite" restart="never" nodeType="tmRoot">
+          <p:childTnLst>
+            <p:seq concurrent="1" nextAc="seek">
+              <p:cTn id="2" dur="indefinite" nodeType="mainSeq">
+                <p:childTnLst>
+                  <p:par>
+                    <p:cTn id="3" fill="hold">
+                      <p:stCondLst>
+                        <p:cond delay="indefinite"/>
+                        <p:cond evt="onBegin" delay="0">
+                          <p:tn val="2"/>
+                        </p:cond>
+                      </p:stCondLst>
+                      <p:childTnLst>
+                        <p:par>
+                          <p:cTn id="4" fill="hold">
+                            <p:stCondLst>
+                              <p:cond delay="0"/>
+                            </p:stCondLst>
+                            <p:childTnLst>
+                              <p:par>
+                                <p:cTn id="5" presetID="10" presetClass="entr" presetSubtype="0" fill="hold" grpId="0" nodeType="withEffect">
+                                  <p:stCondLst>
+                                    <p:cond delay="500"/>
+                                  </p:stCondLst>
+                                  <p:iterate type="lt">
+                                    <p:tmPct val="10000"/>
+                                  </p:iterate>
+                                  <p:childTnLst>
+                                    <p:set>
+                                      <p:cBhvr>
+                                        <p:cTn id="6" dur="1" fill="hold">
+                                          <p:stCondLst>
+                                            <p:cond delay="0"/>
+                                          </p:stCondLst>
+                                        </p:cTn>
+                                        <p:tgtEl>
+                                          <p:spTgt spid="4"/>
+                                        </p:tgtEl>
+                                        <p:attrNameLst>
+                                          <p:attrName>style.visibility</p:attrName>
+                                        </p:attrNameLst>
+                                      </p:cBhvr>
+                                      <p:to>
+                                        <p:strVal val="visible"/>
+                                      </p:to>
+                                    </p:set>
+                                    <p:animEffect transition="in" filter="fade">
+                                      <p:cBhvr>
+                                        <p:cTn id="7" dur="400"/>
+                                        <p:tgtEl>
+                                          <p:spTgt spid="4"/>
+                                        </p:tgtEl>
+                                      </p:cBhvr>
+                                    </p:animEffect>
+                                  </p:childTnLst>
+                                </p:cTn>
+                              </p:par>
+                            </p:childTnLst>
+                          </p:cTn>
+                        </p:par>
+                      </p:childTnLst>
+                    </p:cTn>
+                  </p:par>
+                </p:childTnLst>
+              </p:cTn>
+              <p:prevCondLst>
+                <p:cond evt="onPrev" delay="0">
+                  <p:tgtEl>
+                    <p:sldTgt/>
+                  </p:tgtEl>
+                </p:cond>
+              </p:prevCondLst>
+              <p:nextCondLst>
+                <p:cond evt="onNext" delay="0">
+                  <p:tgtEl>
+                    <p:sldTgt/>
+                  </p:tgtEl>
+                </p:cond>
+              </p:nextCondLst>
+            </p:seq>
+          </p:childTnLst>
+        </p:cTn>
+      </p:par>
+    </p:tnLst>
+    <p:bldLst>
+      <p:bldP spid="4" grpId="0"/>
+    </p:bldLst>
+  </p:timing>
+</p:sld>
+</file>
+
 <file path=ppt/slides/slide2.xml><?xml version="1.0" encoding="utf-8"?>
 <p:sld xmlns:a="http://schemas.openxmlformats.org/drawingml/2006/main" xmlns:r="http://schemas.openxmlformats.org/officeDocument/2006/relationships" xmlns:p="http://schemas.openxmlformats.org/presentationml/2006/main">
   <p:cSld>
@@ -5904,6 +6096,406 @@
         </p:nvSpPr>
         <p:spPr>
           <a:xfrm>
+            <a:off x="281913" y="246031"/>
+            <a:ext cx="9889797" cy="933307"/>
+          </a:xfrm>
+        </p:spPr>
+        <p:txBody>
+          <a:bodyPr anchor="b">
+            <a:normAutofit/>
+          </a:bodyPr>
+          <a:lstStyle/>
+          <a:p>
+            <a:pPr algn="l"/>
+            <a:r>
+              <a:rPr lang="fr-FR" sz="4400" dirty="0">
+                <a:solidFill>
+                  <a:schemeClr val="bg1"/>
+                </a:solidFill>
+              </a:rPr>
+              <a:t>BDD</a:t>
+            </a:r>
+          </a:p>
+        </p:txBody>
+      </p:sp>
+      <p:sp>
+        <p:nvSpPr>
+          <p:cNvPr id="27" name="Rectangle 26">
+            <a:extLst>
+              <a:ext uri="{FF2B5EF4-FFF2-40B4-BE49-F238E27FC236}">
+                <a16:creationId xmlns:a16="http://schemas.microsoft.com/office/drawing/2014/main" id="{94058847-87A2-48B5-B733-C9FC6F0FF769}"/>
+              </a:ext>
+              <a:ext uri="{C183D7F6-B498-43B3-948B-1728B52AA6E4}">
+                <adec:decorative xmlns:adec="http://schemas.microsoft.com/office/drawing/2017/decorative" val="1"/>
+              </a:ext>
+            </a:extLst>
+          </p:cNvPr>
+          <p:cNvSpPr>
+            <a:spLocks noGrp="1" noRot="1" noChangeAspect="1" noMove="1" noResize="1" noEditPoints="1" noAdjustHandles="1" noChangeArrowheads="1" noChangeShapeType="1" noTextEdit="1"/>
+          </p:cNvSpPr>
+          <p:nvPr>
+            <p:extLst>
+              <p:ext uri="{386F3935-93C4-4BCD-93E2-E3B085C9AB24}">
+                <p16:designElem xmlns:p16="http://schemas.microsoft.com/office/powerpoint/2015/main" val="1"/>
+              </p:ext>
+            </p:extLst>
+          </p:nvPr>
+        </p:nvSpPr>
+        <p:spPr>
+          <a:xfrm>
+            <a:off x="0" y="2358676"/>
+            <a:ext cx="12191990" cy="4545429"/>
+          </a:xfrm>
+          <a:prstGeom prst="rect">
+            <a:avLst/>
+          </a:prstGeom>
+          <a:solidFill>
+            <a:schemeClr val="bg1">
+              <a:lumMod val="95000"/>
+            </a:schemeClr>
+          </a:solidFill>
+          <a:ln>
+            <a:noFill/>
+          </a:ln>
+        </p:spPr>
+        <p:style>
+          <a:lnRef idx="2">
+            <a:schemeClr val="accent1">
+              <a:shade val="50000"/>
+            </a:schemeClr>
+          </a:lnRef>
+          <a:fillRef idx="1">
+            <a:schemeClr val="accent1"/>
+          </a:fillRef>
+          <a:effectRef idx="0">
+            <a:schemeClr val="accent1"/>
+          </a:effectRef>
+          <a:fontRef idx="minor">
+            <a:schemeClr val="lt1"/>
+          </a:fontRef>
+        </p:style>
+        <p:txBody>
+          <a:bodyPr rtlCol="0" anchor="ctr"/>
+          <a:lstStyle/>
+          <a:p>
+            <a:pPr algn="ctr"/>
+            <a:endParaRPr lang="en-US"/>
+          </a:p>
+        </p:txBody>
+      </p:sp>
+      <p:sp>
+        <p:nvSpPr>
+          <p:cNvPr id="29" name="Rectangle 28">
+            <a:extLst>
+              <a:ext uri="{FF2B5EF4-FFF2-40B4-BE49-F238E27FC236}">
+                <a16:creationId xmlns:a16="http://schemas.microsoft.com/office/drawing/2014/main" id="{38CE886A-266A-45DB-B141-3271799F49BD}"/>
+              </a:ext>
+              <a:ext uri="{C183D7F6-B498-43B3-948B-1728B52AA6E4}">
+                <adec:decorative xmlns:adec="http://schemas.microsoft.com/office/drawing/2017/decorative" val="1"/>
+              </a:ext>
+            </a:extLst>
+          </p:cNvPr>
+          <p:cNvSpPr>
+            <a:spLocks noGrp="1" noRot="1" noChangeAspect="1" noMove="1" noResize="1" noEditPoints="1" noAdjustHandles="1" noChangeArrowheads="1" noChangeShapeType="1" noTextEdit="1"/>
+          </p:cNvSpPr>
+          <p:nvPr>
+            <p:extLst>
+              <p:ext uri="{386F3935-93C4-4BCD-93E2-E3B085C9AB24}">
+                <p16:designElem xmlns:p16="http://schemas.microsoft.com/office/powerpoint/2015/main" val="1"/>
+              </p:ext>
+            </p:extLst>
+          </p:nvPr>
+        </p:nvSpPr>
+        <p:spPr>
+          <a:xfrm>
+            <a:off x="1156851" y="2893697"/>
+            <a:ext cx="457200" cy="45720"/>
+          </a:xfrm>
+          <a:prstGeom prst="rect">
+            <a:avLst/>
+          </a:prstGeom>
+          <a:solidFill>
+            <a:schemeClr val="tx1"/>
+          </a:solidFill>
+          <a:ln>
+            <a:noFill/>
+          </a:ln>
+        </p:spPr>
+        <p:style>
+          <a:lnRef idx="2">
+            <a:schemeClr val="accent1">
+              <a:shade val="50000"/>
+            </a:schemeClr>
+          </a:lnRef>
+          <a:fillRef idx="1">
+            <a:schemeClr val="accent1"/>
+          </a:fillRef>
+          <a:effectRef idx="0">
+            <a:schemeClr val="accent1"/>
+          </a:effectRef>
+          <a:fontRef idx="minor">
+            <a:schemeClr val="lt1"/>
+          </a:fontRef>
+        </p:style>
+        <p:txBody>
+          <a:bodyPr rtlCol="0" anchor="ctr"/>
+          <a:lstStyle/>
+          <a:p>
+            <a:pPr algn="ctr"/>
+            <a:endParaRPr lang="en-US"/>
+          </a:p>
+        </p:txBody>
+      </p:sp>
+      <p:pic>
+        <p:nvPicPr>
+          <p:cNvPr id="5" name="Image 4" descr="Une image contenant capture d’écran, texte, diagramme, ligne&#10;&#10;Description générée automatiquement">
+            <a:extLst>
+              <a:ext uri="{FF2B5EF4-FFF2-40B4-BE49-F238E27FC236}">
+                <a16:creationId xmlns:a16="http://schemas.microsoft.com/office/drawing/2014/main" id="{18A3445D-D5C7-B155-6840-3DDD4BDACEA4}"/>
+              </a:ext>
+            </a:extLst>
+          </p:cNvPr>
+          <p:cNvPicPr>
+            <a:picLocks noChangeAspect="1"/>
+          </p:cNvPicPr>
+          <p:nvPr/>
+        </p:nvPicPr>
+        <p:blipFill>
+          <a:blip r:embed="rId2">
+            <a:extLst>
+              <a:ext uri="{28A0092B-C50C-407E-A947-70E740481C1C}">
+                <a14:useLocalDpi xmlns:a14="http://schemas.microsoft.com/office/drawing/2010/main" val="0"/>
+              </a:ext>
+            </a:extLst>
+          </a:blip>
+          <a:stretch>
+            <a:fillRect/>
+          </a:stretch>
+        </p:blipFill>
+        <p:spPr>
+          <a:xfrm>
+            <a:off x="0" y="1623003"/>
+            <a:ext cx="12192000" cy="5349956"/>
+          </a:xfrm>
+          <a:prstGeom prst="rect">
+            <a:avLst/>
+          </a:prstGeom>
+        </p:spPr>
+      </p:pic>
+    </p:spTree>
+    <p:extLst>
+      <p:ext uri="{BB962C8B-B14F-4D97-AF65-F5344CB8AC3E}">
+        <p14:creationId xmlns:p14="http://schemas.microsoft.com/office/powerpoint/2010/main" val="1097096041"/>
+      </p:ext>
+    </p:extLst>
+  </p:cSld>
+  <p:clrMapOvr>
+    <a:masterClrMapping/>
+  </p:clrMapOvr>
+  <p:timing>
+    <p:tnLst>
+      <p:par>
+        <p:cTn id="1" dur="indefinite" restart="never" nodeType="tmRoot">
+          <p:childTnLst>
+            <p:seq concurrent="1" nextAc="seek">
+              <p:cTn id="2" dur="indefinite" nodeType="mainSeq">
+                <p:childTnLst>
+                  <p:par>
+                    <p:cTn id="3" fill="hold">
+                      <p:stCondLst>
+                        <p:cond delay="indefinite"/>
+                        <p:cond evt="onBegin" delay="0">
+                          <p:tn val="2"/>
+                        </p:cond>
+                      </p:stCondLst>
+                      <p:childTnLst>
+                        <p:par>
+                          <p:cTn id="4" fill="hold">
+                            <p:stCondLst>
+                              <p:cond delay="0"/>
+                            </p:stCondLst>
+                            <p:childTnLst>
+                              <p:par>
+                                <p:cTn id="5" presetID="10" presetClass="entr" presetSubtype="0" fill="hold" grpId="0" nodeType="withEffect">
+                                  <p:stCondLst>
+                                    <p:cond delay="500"/>
+                                  </p:stCondLst>
+                                  <p:iterate type="wd">
+                                    <p:tmPct val="15000"/>
+                                  </p:iterate>
+                                  <p:childTnLst>
+                                    <p:set>
+                                      <p:cBhvr>
+                                        <p:cTn id="6" dur="1" fill="hold">
+                                          <p:stCondLst>
+                                            <p:cond delay="0"/>
+                                          </p:stCondLst>
+                                        </p:cTn>
+                                        <p:tgtEl>
+                                          <p:spTgt spid="2"/>
+                                        </p:tgtEl>
+                                        <p:attrNameLst>
+                                          <p:attrName>style.visibility</p:attrName>
+                                        </p:attrNameLst>
+                                      </p:cBhvr>
+                                      <p:to>
+                                        <p:strVal val="visible"/>
+                                      </p:to>
+                                    </p:set>
+                                    <p:animEffect transition="in" filter="fade">
+                                      <p:cBhvr>
+                                        <p:cTn id="7" dur="1000"/>
+                                        <p:tgtEl>
+                                          <p:spTgt spid="2"/>
+                                        </p:tgtEl>
+                                      </p:cBhvr>
+                                    </p:animEffect>
+                                  </p:childTnLst>
+                                </p:cTn>
+                              </p:par>
+                            </p:childTnLst>
+                          </p:cTn>
+                        </p:par>
+                      </p:childTnLst>
+                    </p:cTn>
+                  </p:par>
+                </p:childTnLst>
+              </p:cTn>
+              <p:prevCondLst>
+                <p:cond evt="onPrev" delay="0">
+                  <p:tgtEl>
+                    <p:sldTgt/>
+                  </p:tgtEl>
+                </p:cond>
+              </p:prevCondLst>
+              <p:nextCondLst>
+                <p:cond evt="onNext" delay="0">
+                  <p:tgtEl>
+                    <p:sldTgt/>
+                  </p:tgtEl>
+                </p:cond>
+              </p:nextCondLst>
+            </p:seq>
+          </p:childTnLst>
+        </p:cTn>
+      </p:par>
+    </p:tnLst>
+    <p:bldLst>
+      <p:bldP spid="2" grpId="0"/>
+    </p:bldLst>
+  </p:timing>
+</p:sld>
+</file>
+
+<file path=ppt/slides/slide7.xml><?xml version="1.0" encoding="utf-8"?>
+<p:sld xmlns:a="http://schemas.openxmlformats.org/drawingml/2006/main" xmlns:r="http://schemas.openxmlformats.org/officeDocument/2006/relationships" xmlns:p="http://schemas.openxmlformats.org/presentationml/2006/main">
+  <p:cSld>
+    <p:bg>
+      <p:bgPr>
+        <a:solidFill>
+          <a:schemeClr val="bg1"/>
+        </a:solidFill>
+        <a:effectLst/>
+      </p:bgPr>
+    </p:bg>
+    <p:spTree>
+      <p:nvGrpSpPr>
+        <p:cNvPr id="1" name=""/>
+        <p:cNvGrpSpPr/>
+        <p:nvPr/>
+      </p:nvGrpSpPr>
+      <p:grpSpPr>
+        <a:xfrm>
+          <a:off x="0" y="0"/>
+          <a:ext cx="0" cy="0"/>
+          <a:chOff x="0" y="0"/>
+          <a:chExt cx="0" cy="0"/>
+        </a:xfrm>
+      </p:grpSpPr>
+      <p:sp>
+        <p:nvSpPr>
+          <p:cNvPr id="25" name="Rectangle 24">
+            <a:extLst>
+              <a:ext uri="{FF2B5EF4-FFF2-40B4-BE49-F238E27FC236}">
+                <a16:creationId xmlns:a16="http://schemas.microsoft.com/office/drawing/2014/main" id="{5AADD842-7469-481F-AEF2-DDA7D3A9ABB0}"/>
+              </a:ext>
+              <a:ext uri="{C183D7F6-B498-43B3-948B-1728B52AA6E4}">
+                <adec:decorative xmlns:adec="http://schemas.microsoft.com/office/drawing/2017/decorative" val="1"/>
+              </a:ext>
+            </a:extLst>
+          </p:cNvPr>
+          <p:cNvSpPr>
+            <a:spLocks noGrp="1" noRot="1" noChangeAspect="1" noMove="1" noResize="1" noEditPoints="1" noAdjustHandles="1" noChangeArrowheads="1" noChangeShapeType="1" noTextEdit="1"/>
+          </p:cNvSpPr>
+          <p:nvPr>
+            <p:extLst>
+              <p:ext uri="{386F3935-93C4-4BCD-93E2-E3B085C9AB24}">
+                <p16:designElem xmlns:p16="http://schemas.microsoft.com/office/powerpoint/2015/main" val="1"/>
+              </p:ext>
+            </p:extLst>
+          </p:nvPr>
+        </p:nvSpPr>
+        <p:spPr>
+          <a:xfrm>
+            <a:off x="10" y="0"/>
+            <a:ext cx="12191990" cy="2358677"/>
+          </a:xfrm>
+          <a:prstGeom prst="rect">
+            <a:avLst/>
+          </a:prstGeom>
+          <a:solidFill>
+            <a:schemeClr val="tx1">
+              <a:lumMod val="85000"/>
+              <a:lumOff val="15000"/>
+            </a:schemeClr>
+          </a:solidFill>
+          <a:ln>
+            <a:noFill/>
+          </a:ln>
+        </p:spPr>
+        <p:style>
+          <a:lnRef idx="2">
+            <a:schemeClr val="accent1">
+              <a:shade val="50000"/>
+            </a:schemeClr>
+          </a:lnRef>
+          <a:fillRef idx="1">
+            <a:schemeClr val="accent1"/>
+          </a:fillRef>
+          <a:effectRef idx="0">
+            <a:schemeClr val="accent1"/>
+          </a:effectRef>
+          <a:fontRef idx="minor">
+            <a:schemeClr val="lt1"/>
+          </a:fontRef>
+        </p:style>
+        <p:txBody>
+          <a:bodyPr rtlCol="0" anchor="ctr"/>
+          <a:lstStyle/>
+          <a:p>
+            <a:pPr algn="ctr"/>
+            <a:endParaRPr lang="en-US"/>
+          </a:p>
+        </p:txBody>
+      </p:sp>
+      <p:sp>
+        <p:nvSpPr>
+          <p:cNvPr id="2" name="Titre 1">
+            <a:extLst>
+              <a:ext uri="{FF2B5EF4-FFF2-40B4-BE49-F238E27FC236}">
+                <a16:creationId xmlns:a16="http://schemas.microsoft.com/office/drawing/2014/main" id="{396FD490-464A-D3F3-F2E4-B5851E27027C}"/>
+              </a:ext>
+            </a:extLst>
+          </p:cNvPr>
+          <p:cNvSpPr>
+            <a:spLocks noGrp="1"/>
+          </p:cNvSpPr>
+          <p:nvPr>
+            <p:ph type="ctrTitle"/>
+          </p:nvPr>
+        </p:nvSpPr>
+        <p:spPr>
+          <a:xfrm>
             <a:off x="432225" y="712684"/>
             <a:ext cx="9889797" cy="933307"/>
           </a:xfrm>
@@ -6202,197 +6794,6 @@
 </p:sld>
 </file>
 
-<file path=ppt/slides/slide7.xml><?xml version="1.0" encoding="utf-8"?>
-<p:sld xmlns:a="http://schemas.openxmlformats.org/drawingml/2006/main" xmlns:r="http://schemas.openxmlformats.org/officeDocument/2006/relationships" xmlns:p="http://schemas.openxmlformats.org/presentationml/2006/main">
-  <p:cSld>
-    <p:bg>
-      <p:bgPr>
-        <a:solidFill>
-          <a:schemeClr val="tx1">
-            <a:lumMod val="85000"/>
-            <a:lumOff val="15000"/>
-          </a:schemeClr>
-        </a:solidFill>
-        <a:effectLst/>
-      </p:bgPr>
-    </p:bg>
-    <p:spTree>
-      <p:nvGrpSpPr>
-        <p:cNvPr id="1" name=""/>
-        <p:cNvGrpSpPr/>
-        <p:nvPr/>
-      </p:nvGrpSpPr>
-      <p:grpSpPr>
-        <a:xfrm>
-          <a:off x="0" y="0"/>
-          <a:ext cx="0" cy="0"/>
-          <a:chOff x="0" y="0"/>
-          <a:chExt cx="0" cy="0"/>
-        </a:xfrm>
-      </p:grpSpPr>
-      <p:sp>
-        <p:nvSpPr>
-          <p:cNvPr id="4" name="Titre 1">
-            <a:extLst>
-              <a:ext uri="{FF2B5EF4-FFF2-40B4-BE49-F238E27FC236}">
-                <a16:creationId xmlns:a16="http://schemas.microsoft.com/office/drawing/2014/main" id="{B99C0767-7AF3-C87B-11C1-18C33C9EE2C0}"/>
-              </a:ext>
-            </a:extLst>
-          </p:cNvPr>
-          <p:cNvSpPr txBox="1">
-            <a:spLocks/>
-          </p:cNvSpPr>
-          <p:nvPr/>
-        </p:nvSpPr>
-        <p:spPr>
-          <a:xfrm>
-            <a:off x="2060147" y="2235200"/>
-            <a:ext cx="8071706" cy="2387600"/>
-          </a:xfrm>
-          <a:prstGeom prst="rect">
-            <a:avLst/>
-          </a:prstGeom>
-        </p:spPr>
-        <p:txBody>
-          <a:bodyPr vert="horz" lIns="91440" tIns="45720" rIns="91440" bIns="45720" rtlCol="0" anchor="ctr">
-            <a:normAutofit/>
-          </a:bodyPr>
-          <a:lstStyle>
-            <a:lvl1pPr algn="l" defTabSz="914400" rtl="0" eaLnBrk="1" latinLnBrk="0" hangingPunct="1">
-              <a:lnSpc>
-                <a:spcPct val="90000"/>
-              </a:lnSpc>
-              <a:spcBef>
-                <a:spcPct val="0"/>
-              </a:spcBef>
-              <a:buNone/>
-              <a:defRPr sz="4400" kern="1200">
-                <a:solidFill>
-                  <a:schemeClr val="tx1"/>
-                </a:solidFill>
-                <a:latin typeface="+mj-lt"/>
-                <a:ea typeface="+mj-ea"/>
-                <a:cs typeface="+mj-cs"/>
-              </a:defRPr>
-            </a:lvl1pPr>
-          </a:lstStyle>
-          <a:p>
-            <a:r>
-              <a:rPr lang="fr-FR" sz="6600" dirty="0">
-                <a:solidFill>
-                  <a:schemeClr val="bg1"/>
-                </a:solidFill>
-              </a:rPr>
-              <a:t>Démo du Projet Actuel</a:t>
-            </a:r>
-          </a:p>
-        </p:txBody>
-      </p:sp>
-    </p:spTree>
-    <p:extLst>
-      <p:ext uri="{BB962C8B-B14F-4D97-AF65-F5344CB8AC3E}">
-        <p14:creationId xmlns:p14="http://schemas.microsoft.com/office/powerpoint/2010/main" val="4190142591"/>
-      </p:ext>
-    </p:extLst>
-  </p:cSld>
-  <p:clrMapOvr>
-    <a:masterClrMapping/>
-  </p:clrMapOvr>
-  <p:timing>
-    <p:tnLst>
-      <p:par>
-        <p:cTn id="1" dur="indefinite" restart="never" nodeType="tmRoot">
-          <p:childTnLst>
-            <p:seq concurrent="1" nextAc="seek">
-              <p:cTn id="2" dur="indefinite" nodeType="mainSeq">
-                <p:childTnLst>
-                  <p:par>
-                    <p:cTn id="3" fill="hold">
-                      <p:stCondLst>
-                        <p:cond delay="indefinite"/>
-                        <p:cond evt="onBegin" delay="0">
-                          <p:tn val="2"/>
-                        </p:cond>
-                      </p:stCondLst>
-                      <p:childTnLst>
-                        <p:par>
-                          <p:cTn id="4" fill="hold">
-                            <p:stCondLst>
-                              <p:cond delay="0"/>
-                            </p:stCondLst>
-                            <p:childTnLst>
-                              <p:par>
-                                <p:cTn id="5" presetID="10" presetClass="entr" presetSubtype="0" fill="hold" grpId="0" nodeType="withEffect">
-                                  <p:stCondLst>
-                                    <p:cond delay="500"/>
-                                  </p:stCondLst>
-                                  <p:iterate type="lt">
-                                    <p:tmPct val="10000"/>
-                                  </p:iterate>
-                                  <p:childTnLst>
-                                    <p:set>
-                                      <p:cBhvr>
-                                        <p:cTn id="6" dur="1" fill="hold">
-                                          <p:stCondLst>
-                                            <p:cond delay="0"/>
-                                          </p:stCondLst>
-                                        </p:cTn>
-                                        <p:tgtEl>
-                                          <p:spTgt spid="4"/>
-                                        </p:tgtEl>
-                                        <p:attrNameLst>
-                                          <p:attrName>style.visibility</p:attrName>
-                                        </p:attrNameLst>
-                                      </p:cBhvr>
-                                      <p:to>
-                                        <p:strVal val="visible"/>
-                                      </p:to>
-                                    </p:set>
-                                    <p:animEffect transition="in" filter="fade">
-                                      <p:cBhvr>
-                                        <p:cTn id="7" dur="400"/>
-                                        <p:tgtEl>
-                                          <p:spTgt spid="4"/>
-                                        </p:tgtEl>
-                                      </p:cBhvr>
-                                    </p:animEffect>
-                                  </p:childTnLst>
-                                </p:cTn>
-                              </p:par>
-                            </p:childTnLst>
-                          </p:cTn>
-                        </p:par>
-                      </p:childTnLst>
-                    </p:cTn>
-                  </p:par>
-                </p:childTnLst>
-              </p:cTn>
-              <p:prevCondLst>
-                <p:cond evt="onPrev" delay="0">
-                  <p:tgtEl>
-                    <p:sldTgt/>
-                  </p:tgtEl>
-                </p:cond>
-              </p:prevCondLst>
-              <p:nextCondLst>
-                <p:cond evt="onNext" delay="0">
-                  <p:tgtEl>
-                    <p:sldTgt/>
-                  </p:tgtEl>
-                </p:cond>
-              </p:nextCondLst>
-            </p:seq>
-          </p:childTnLst>
-        </p:cTn>
-      </p:par>
-    </p:tnLst>
-    <p:bldLst>
-      <p:bldP spid="4" grpId="0"/>
-    </p:bldLst>
-  </p:timing>
-</p:sld>
-</file>
-
 <file path=ppt/slides/slide8.xml><?xml version="1.0" encoding="utf-8"?>
 <p:sld xmlns:a="http://schemas.openxmlformats.org/drawingml/2006/main" xmlns:r="http://schemas.openxmlformats.org/officeDocument/2006/relationships" xmlns:p="http://schemas.openxmlformats.org/presentationml/2006/main">
   <p:cSld>
@@ -6437,8 +6838,8 @@
         </p:nvSpPr>
         <p:spPr>
           <a:xfrm>
-            <a:off x="3652623" y="2184400"/>
-            <a:ext cx="4886753" cy="2387600"/>
+            <a:off x="2060147" y="2235200"/>
+            <a:ext cx="8071706" cy="2387600"/>
           </a:xfrm>
           <a:prstGeom prst="rect">
             <a:avLst/>
@@ -6474,7 +6875,7 @@
                   <a:schemeClr val="bg1"/>
                 </a:solidFill>
               </a:rPr>
-              <a:t>Rétrospective</a:t>
+              <a:t>Démo du Projet Actuel</a:t>
             </a:r>
           </a:p>
         </p:txBody>
@@ -6482,7 +6883,7 @@
     </p:spTree>
     <p:extLst>
       <p:ext uri="{BB962C8B-B14F-4D97-AF65-F5344CB8AC3E}">
-        <p14:creationId xmlns:p14="http://schemas.microsoft.com/office/powerpoint/2010/main" val="1163933056"/>
+        <p14:creationId xmlns:p14="http://schemas.microsoft.com/office/powerpoint/2010/main" val="4190142591"/>
       </p:ext>
     </p:extLst>
   </p:cSld>
@@ -6628,8 +7029,8 @@
         </p:nvSpPr>
         <p:spPr>
           <a:xfrm>
-            <a:off x="1334873" y="2235200"/>
-            <a:ext cx="9522253" cy="2387600"/>
+            <a:off x="3652623" y="2184400"/>
+            <a:ext cx="4886753" cy="2387600"/>
           </a:xfrm>
           <a:prstGeom prst="rect">
             <a:avLst/>
@@ -6665,7 +7066,7 @@
                   <a:schemeClr val="bg1"/>
                 </a:solidFill>
               </a:rPr>
-              <a:t>Merci de nous avoir écouté</a:t>
+              <a:t>Rétrospective</a:t>
             </a:r>
           </a:p>
         </p:txBody>
@@ -6673,7 +7074,7 @@
     </p:spTree>
     <p:extLst>
       <p:ext uri="{BB962C8B-B14F-4D97-AF65-F5344CB8AC3E}">
-        <p14:creationId xmlns:p14="http://schemas.microsoft.com/office/powerpoint/2010/main" val="3711590473"/>
+        <p14:creationId xmlns:p14="http://schemas.microsoft.com/office/powerpoint/2010/main" val="1163933056"/>
       </p:ext>
     </p:extLst>
   </p:cSld>
